--- a/발표자료.pptx
+++ b/발표자료.pptx
@@ -6,12 +6,12 @@
   </p:sldMasterIdLst>
   <p:sldIdLst>
     <p:sldId id="263" r:id="rId2"/>
-    <p:sldId id="256" r:id="rId3"/>
-    <p:sldId id="257" r:id="rId4"/>
-    <p:sldId id="258" r:id="rId5"/>
-    <p:sldId id="259" r:id="rId6"/>
-    <p:sldId id="260" r:id="rId7"/>
-    <p:sldId id="261" r:id="rId8"/>
+    <p:sldId id="264" r:id="rId3"/>
+    <p:sldId id="256" r:id="rId4"/>
+    <p:sldId id="257" r:id="rId5"/>
+    <p:sldId id="258" r:id="rId6"/>
+    <p:sldId id="259" r:id="rId7"/>
+    <p:sldId id="260" r:id="rId8"/>
     <p:sldId id="262" r:id="rId9"/>
   </p:sldIdLst>
   <p:sldSz cx="12192000" cy="6858000"/>
@@ -111,6 +111,11 @@
       </a:defRPr>
     </a:lvl9pPr>
   </p:defaultTextStyle>
+  <p:extLst>
+    <p:ext uri="{EFAFB233-063F-42B5-8137-9DF3F51BA10A}">
+      <p15:sldGuideLst xmlns:p15="http://schemas.microsoft.com/office/powerpoint/2012/main"/>
+    </p:ext>
+  </p:extLst>
 </p:presentation>
 </file>
 
@@ -2992,12 +2997,20 @@
           <a:lstStyle/>
           <a:p>
             <a:r>
+              <a:rPr lang="ko-KR" altLang="en-US" dirty="0" err="1" smtClean="0"/>
+              <a:t>모바일</a:t>
+            </a:r>
+            <a:r>
+              <a:rPr lang="ko-KR" altLang="en-US" dirty="0" smtClean="0"/>
+              <a:t> </a:t>
+            </a:r>
+            <a:r>
               <a:rPr lang="en-US" altLang="ko-KR" dirty="0" smtClean="0"/>
               <a:t>POS</a:t>
             </a:r>
             <a:r>
               <a:rPr lang="ko-KR" altLang="en-US" dirty="0" smtClean="0"/>
-              <a:t> 시스템</a:t>
+              <a:t> 연동 시스템</a:t>
             </a:r>
             <a:endParaRPr lang="ko-KR" altLang="en-US" dirty="0"/>
           </a:p>
@@ -3042,7 +3055,7 @@
       </p:grpSpPr>
       <p:pic>
         <p:nvPicPr>
-          <p:cNvPr id="5" name="그림 4"/>
+          <p:cNvPr id="4" name="그림 3"/>
           <p:cNvPicPr>
             <a:picLocks noChangeAspect="1"/>
           </p:cNvPicPr>
@@ -3062,8 +3075,8 @@
         </p:blipFill>
         <p:spPr>
           <a:xfrm>
-            <a:off x="2927725" y="1005745"/>
-            <a:ext cx="5830114" cy="5199366"/>
+            <a:off x="2145667" y="1201908"/>
+            <a:ext cx="6792270" cy="4991590"/>
           </a:xfrm>
           <a:prstGeom prst="rect">
             <a:avLst/>
@@ -3072,7 +3085,7 @@
       </p:pic>
       <p:sp>
         <p:nvSpPr>
-          <p:cNvPr id="6" name="TextBox 5"/>
+          <p:cNvPr id="5" name="TextBox 4"/>
           <p:cNvSpPr txBox="1"/>
           <p:nvPr/>
         </p:nvSpPr>
@@ -3094,11 +3107,15 @@
           <a:p>
             <a:r>
               <a:rPr lang="ko-KR" altLang="en-US" sz="2400" dirty="0" err="1" smtClean="0"/>
-              <a:t>유스케이스</a:t>
+              <a:t>포스뱅크</a:t>
             </a:r>
             <a:r>
               <a:rPr lang="ko-KR" altLang="en-US" sz="2400" dirty="0" smtClean="0"/>
-              <a:t> 다이어그램</a:t>
+              <a:t> </a:t>
+            </a:r>
+            <a:r>
+              <a:rPr lang="ko-KR" altLang="en-US" sz="2400" dirty="0" err="1" smtClean="0"/>
+              <a:t>메인화면</a:t>
             </a:r>
             <a:endParaRPr lang="en-US" altLang="ko-KR" sz="2400" dirty="0" smtClean="0"/>
           </a:p>
@@ -3110,7 +3127,7 @@
     </p:spTree>
     <p:extLst>
       <p:ext uri="{BB962C8B-B14F-4D97-AF65-F5344CB8AC3E}">
-        <p14:creationId xmlns:p14="http://schemas.microsoft.com/office/powerpoint/2010/main" val="1050578275"/>
+        <p14:creationId xmlns:p14="http://schemas.microsoft.com/office/powerpoint/2010/main" val="741403825"/>
       </p:ext>
     </p:extLst>
   </p:cSld>
@@ -3144,42 +3161,9 @@
           <a:chExt cx="0" cy="0"/>
         </a:xfrm>
       </p:grpSpPr>
-      <p:sp>
-        <p:nvSpPr>
-          <p:cNvPr id="6" name="TextBox 5"/>
-          <p:cNvSpPr txBox="1"/>
-          <p:nvPr/>
-        </p:nvSpPr>
-        <p:spPr>
-          <a:xfrm>
-            <a:off x="379284" y="499700"/>
-            <a:ext cx="9511691" cy="830997"/>
-          </a:xfrm>
-          <a:prstGeom prst="rect">
-            <a:avLst/>
-          </a:prstGeom>
-          <a:noFill/>
-        </p:spPr>
-        <p:txBody>
-          <a:bodyPr wrap="square" rtlCol="0">
-            <a:spAutoFit/>
-          </a:bodyPr>
-          <a:lstStyle/>
-          <a:p>
-            <a:r>
-              <a:rPr lang="ko-KR" altLang="en-US" sz="2400" dirty="0" smtClean="0"/>
-              <a:t>클래스 다이어그램</a:t>
-            </a:r>
-            <a:endParaRPr lang="en-US" altLang="ko-KR" sz="2400" dirty="0" smtClean="0"/>
-          </a:p>
-          <a:p>
-            <a:endParaRPr lang="ko-KR" altLang="en-US" sz="2400" dirty="0"/>
-          </a:p>
-        </p:txBody>
-      </p:sp>
       <p:pic>
         <p:nvPicPr>
-          <p:cNvPr id="8" name="그림 7"/>
+          <p:cNvPr id="5" name="그림 4"/>
           <p:cNvPicPr>
             <a:picLocks noChangeAspect="1"/>
           </p:cNvPicPr>
@@ -3199,18 +3183,55 @@
         </p:blipFill>
         <p:spPr>
           <a:xfrm>
-            <a:off x="2927725" y="1005744"/>
-            <a:ext cx="7122133" cy="4733873"/>
+            <a:off x="2927725" y="1005745"/>
+            <a:ext cx="5830114" cy="5199366"/>
           </a:xfrm>
           <a:prstGeom prst="rect">
             <a:avLst/>
           </a:prstGeom>
         </p:spPr>
       </p:pic>
+      <p:sp>
+        <p:nvSpPr>
+          <p:cNvPr id="6" name="TextBox 5"/>
+          <p:cNvSpPr txBox="1"/>
+          <p:nvPr/>
+        </p:nvSpPr>
+        <p:spPr>
+          <a:xfrm>
+            <a:off x="379284" y="499700"/>
+            <a:ext cx="9511691" cy="830997"/>
+          </a:xfrm>
+          <a:prstGeom prst="rect">
+            <a:avLst/>
+          </a:prstGeom>
+          <a:noFill/>
+        </p:spPr>
+        <p:txBody>
+          <a:bodyPr wrap="square" rtlCol="0">
+            <a:spAutoFit/>
+          </a:bodyPr>
+          <a:lstStyle/>
+          <a:p>
+            <a:r>
+              <a:rPr lang="ko-KR" altLang="en-US" sz="2400" dirty="0" err="1" smtClean="0"/>
+              <a:t>유스케이스</a:t>
+            </a:r>
+            <a:r>
+              <a:rPr lang="ko-KR" altLang="en-US" sz="2400" dirty="0" smtClean="0"/>
+              <a:t> 다이어그램</a:t>
+            </a:r>
+            <a:endParaRPr lang="en-US" altLang="ko-KR" sz="2400" dirty="0" smtClean="0"/>
+          </a:p>
+          <a:p>
+            <a:endParaRPr lang="ko-KR" altLang="en-US" sz="2400" dirty="0"/>
+          </a:p>
+        </p:txBody>
+      </p:sp>
     </p:spTree>
     <p:extLst>
       <p:ext uri="{BB962C8B-B14F-4D97-AF65-F5344CB8AC3E}">
-        <p14:creationId xmlns:p14="http://schemas.microsoft.com/office/powerpoint/2010/main" val="2058901621"/>
+        <p14:creationId xmlns:p14="http://schemas.microsoft.com/office/powerpoint/2010/main" val="1050578275"/>
       </p:ext>
     </p:extLst>
   </p:cSld>
@@ -3246,7 +3267,7 @@
       </p:grpSpPr>
       <p:sp>
         <p:nvSpPr>
-          <p:cNvPr id="4" name="TextBox 3"/>
+          <p:cNvPr id="6" name="TextBox 5"/>
           <p:cNvSpPr txBox="1"/>
           <p:nvPr/>
         </p:nvSpPr>
@@ -3267,12 +3288,8 @@
           <a:lstStyle/>
           <a:p>
             <a:r>
-              <a:rPr lang="ko-KR" altLang="en-US" sz="2400" dirty="0" err="1" smtClean="0"/>
-              <a:t>액티비티</a:t>
-            </a:r>
-            <a:r>
               <a:rPr lang="ko-KR" altLang="en-US" sz="2400" dirty="0" smtClean="0"/>
-              <a:t> 다이어그램</a:t>
+              <a:t>클래스 다이어그램</a:t>
             </a:r>
             <a:endParaRPr lang="en-US" altLang="ko-KR" sz="2400" dirty="0" smtClean="0"/>
           </a:p>
@@ -3283,7 +3300,7 @@
       </p:sp>
       <p:pic>
         <p:nvPicPr>
-          <p:cNvPr id="5" name="그림 4"/>
+          <p:cNvPr id="8" name="그림 7"/>
           <p:cNvPicPr>
             <a:picLocks noChangeAspect="1"/>
           </p:cNvPicPr>
@@ -3303,38 +3320,8 @@
         </p:blipFill>
         <p:spPr>
           <a:xfrm>
-            <a:off x="2927725" y="1005745"/>
-            <a:ext cx="3096057" cy="5677692"/>
-          </a:xfrm>
-          <a:prstGeom prst="rect">
-            <a:avLst/>
-          </a:prstGeom>
-        </p:spPr>
-      </p:pic>
-      <p:pic>
-        <p:nvPicPr>
-          <p:cNvPr id="6" name="그림 5"/>
-          <p:cNvPicPr>
-            <a:picLocks noChangeAspect="1"/>
-          </p:cNvPicPr>
-          <p:nvPr/>
-        </p:nvPicPr>
-        <p:blipFill>
-          <a:blip r:embed="rId3">
-            <a:extLst>
-              <a:ext uri="{28A0092B-C50C-407E-A947-70E740481C1C}">
-                <a14:useLocalDpi xmlns:a14="http://schemas.microsoft.com/office/drawing/2010/main" val="0"/>
-              </a:ext>
-            </a:extLst>
-          </a:blip>
-          <a:stretch>
-            <a:fillRect/>
-          </a:stretch>
-        </p:blipFill>
-        <p:spPr>
-          <a:xfrm>
-            <a:off x="6223090" y="1005745"/>
-            <a:ext cx="3734321" cy="5677692"/>
+            <a:off x="2927725" y="1005744"/>
+            <a:ext cx="7122133" cy="4733873"/>
           </a:xfrm>
           <a:prstGeom prst="rect">
             <a:avLst/>
@@ -3344,7 +3331,7 @@
     </p:spTree>
     <p:extLst>
       <p:ext uri="{BB962C8B-B14F-4D97-AF65-F5344CB8AC3E}">
-        <p14:creationId xmlns:p14="http://schemas.microsoft.com/office/powerpoint/2010/main" val="996360188"/>
+        <p14:creationId xmlns:p14="http://schemas.microsoft.com/office/powerpoint/2010/main" val="2058901621"/>
       </p:ext>
     </p:extLst>
   </p:cSld>
@@ -3401,8 +3388,12 @@
           <a:lstStyle/>
           <a:p>
             <a:r>
+              <a:rPr lang="ko-KR" altLang="en-US" sz="2400" dirty="0" err="1" smtClean="0"/>
+              <a:t>액티비티</a:t>
+            </a:r>
+            <a:r>
               <a:rPr lang="ko-KR" altLang="en-US" sz="2400" dirty="0" smtClean="0"/>
-              <a:t>시퀀스 다이어그램</a:t>
+              <a:t> 다이어그램</a:t>
             </a:r>
             <a:endParaRPr lang="en-US" altLang="ko-KR" sz="2400" dirty="0" smtClean="0"/>
           </a:p>
@@ -3413,7 +3404,7 @@
       </p:sp>
       <p:pic>
         <p:nvPicPr>
-          <p:cNvPr id="6" name="그림 5"/>
+          <p:cNvPr id="5" name="그림 4"/>
           <p:cNvPicPr>
             <a:picLocks noChangeAspect="1"/>
           </p:cNvPicPr>
@@ -3434,7 +3425,7 @@
         <p:spPr>
           <a:xfrm>
             <a:off x="2927725" y="1005745"/>
-            <a:ext cx="5868219" cy="2300163"/>
+            <a:ext cx="3096057" cy="5677692"/>
           </a:xfrm>
           <a:prstGeom prst="rect">
             <a:avLst/>
@@ -3443,7 +3434,7 @@
       </p:pic>
       <p:pic>
         <p:nvPicPr>
-          <p:cNvPr id="7" name="그림 6"/>
+          <p:cNvPr id="6" name="그림 5"/>
           <p:cNvPicPr>
             <a:picLocks noChangeAspect="1"/>
           </p:cNvPicPr>
@@ -3463,8 +3454,8 @@
         </p:blipFill>
         <p:spPr>
           <a:xfrm>
-            <a:off x="2927724" y="3643532"/>
-            <a:ext cx="5868219" cy="2796538"/>
+            <a:off x="6223090" y="1005745"/>
+            <a:ext cx="3734321" cy="5677692"/>
           </a:xfrm>
           <a:prstGeom prst="rect">
             <a:avLst/>
@@ -3474,7 +3465,7 @@
     </p:spTree>
     <p:extLst>
       <p:ext uri="{BB962C8B-B14F-4D97-AF65-F5344CB8AC3E}">
-        <p14:creationId xmlns:p14="http://schemas.microsoft.com/office/powerpoint/2010/main" val="3936921030"/>
+        <p14:creationId xmlns:p14="http://schemas.microsoft.com/office/powerpoint/2010/main" val="996360188"/>
       </p:ext>
     </p:extLst>
   </p:cSld>
@@ -3532,7 +3523,7 @@
           <a:p>
             <a:r>
               <a:rPr lang="ko-KR" altLang="en-US" sz="2400" dirty="0" smtClean="0"/>
-              <a:t>매출현황 화면</a:t>
+              <a:t>시퀀스 다이어그램</a:t>
             </a:r>
             <a:endParaRPr lang="en-US" altLang="ko-KR" sz="2400" dirty="0" smtClean="0"/>
           </a:p>
@@ -3543,7 +3534,7 @@
       </p:sp>
       <p:pic>
         <p:nvPicPr>
-          <p:cNvPr id="5" name="그림 4"/>
+          <p:cNvPr id="6" name="그림 5"/>
           <p:cNvPicPr>
             <a:picLocks noChangeAspect="1"/>
           </p:cNvPicPr>
@@ -3563,8 +3554,8 @@
         </p:blipFill>
         <p:spPr>
           <a:xfrm>
-            <a:off x="883650" y="1441843"/>
-            <a:ext cx="2520000" cy="3958865"/>
+            <a:off x="2927725" y="1005745"/>
+            <a:ext cx="5868219" cy="2300163"/>
           </a:xfrm>
           <a:prstGeom prst="rect">
             <a:avLst/>
@@ -3573,7 +3564,7 @@
       </p:pic>
       <p:pic>
         <p:nvPicPr>
-          <p:cNvPr id="6" name="그림 5"/>
+          <p:cNvPr id="7" name="그림 6"/>
           <p:cNvPicPr>
             <a:picLocks noChangeAspect="1"/>
           </p:cNvPicPr>
@@ -3593,68 +3584,8 @@
         </p:blipFill>
         <p:spPr>
           <a:xfrm>
-            <a:off x="3415176" y="1399693"/>
-            <a:ext cx="2520000" cy="4043164"/>
-          </a:xfrm>
-          <a:prstGeom prst="rect">
-            <a:avLst/>
-          </a:prstGeom>
-        </p:spPr>
-      </p:pic>
-      <p:pic>
-        <p:nvPicPr>
-          <p:cNvPr id="7" name="그림 6"/>
-          <p:cNvPicPr>
-            <a:picLocks noChangeAspect="1"/>
-          </p:cNvPicPr>
-          <p:nvPr/>
-        </p:nvPicPr>
-        <p:blipFill>
-          <a:blip r:embed="rId4">
-            <a:extLst>
-              <a:ext uri="{28A0092B-C50C-407E-A947-70E740481C1C}">
-                <a14:useLocalDpi xmlns:a14="http://schemas.microsoft.com/office/drawing/2010/main" val="0"/>
-              </a:ext>
-            </a:extLst>
-          </a:blip>
-          <a:stretch>
-            <a:fillRect/>
-          </a:stretch>
-        </p:blipFill>
-        <p:spPr>
-          <a:xfrm>
-            <a:off x="8666950" y="1357321"/>
-            <a:ext cx="2471102" cy="4085536"/>
-          </a:xfrm>
-          <a:prstGeom prst="rect">
-            <a:avLst/>
-          </a:prstGeom>
-        </p:spPr>
-      </p:pic>
-      <p:pic>
-        <p:nvPicPr>
-          <p:cNvPr id="8" name="그림 7"/>
-          <p:cNvPicPr>
-            <a:picLocks noChangeAspect="1"/>
-          </p:cNvPicPr>
-          <p:nvPr/>
-        </p:nvPicPr>
-        <p:blipFill>
-          <a:blip r:embed="rId5">
-            <a:extLst>
-              <a:ext uri="{28A0092B-C50C-407E-A947-70E740481C1C}">
-                <a14:useLocalDpi xmlns:a14="http://schemas.microsoft.com/office/drawing/2010/main" val="0"/>
-              </a:ext>
-            </a:extLst>
-          </a:blip>
-          <a:stretch>
-            <a:fillRect/>
-          </a:stretch>
-        </p:blipFill>
-        <p:spPr>
-          <a:xfrm>
-            <a:off x="5963312" y="1357320"/>
-            <a:ext cx="2545145" cy="4185349"/>
+            <a:off x="2927724" y="3643532"/>
+            <a:ext cx="5868219" cy="2796538"/>
           </a:xfrm>
           <a:prstGeom prst="rect">
             <a:avLst/>
@@ -3664,7 +3595,7 @@
     </p:spTree>
     <p:extLst>
       <p:ext uri="{BB962C8B-B14F-4D97-AF65-F5344CB8AC3E}">
-        <p14:creationId xmlns:p14="http://schemas.microsoft.com/office/powerpoint/2010/main" val="4008001616"/>
+        <p14:creationId xmlns:p14="http://schemas.microsoft.com/office/powerpoint/2010/main" val="3936921030"/>
       </p:ext>
     </p:extLst>
   </p:cSld>
@@ -3722,7 +3653,7 @@
           <a:p>
             <a:r>
               <a:rPr lang="ko-KR" altLang="en-US" sz="2400" dirty="0" smtClean="0"/>
-              <a:t>결제 화면</a:t>
+              <a:t>매출현황 화면</a:t>
             </a:r>
             <a:endParaRPr lang="en-US" altLang="ko-KR" sz="2400" dirty="0" smtClean="0"/>
           </a:p>
@@ -3733,7 +3664,7 @@
       </p:sp>
       <p:pic>
         <p:nvPicPr>
-          <p:cNvPr id="2" name="그림 1"/>
+          <p:cNvPr id="6" name="그림 5"/>
           <p:cNvPicPr>
             <a:picLocks noChangeAspect="1"/>
           </p:cNvPicPr>
@@ -3753,8 +3684,8 @@
         </p:blipFill>
         <p:spPr>
           <a:xfrm>
-            <a:off x="3936513" y="1406769"/>
-            <a:ext cx="2518563" cy="3993939"/>
+            <a:off x="3415176" y="1399693"/>
+            <a:ext cx="2520000" cy="4043164"/>
           </a:xfrm>
           <a:prstGeom prst="rect">
             <a:avLst/>
@@ -3763,7 +3694,7 @@
       </p:pic>
       <p:pic>
         <p:nvPicPr>
-          <p:cNvPr id="9" name="그림 8"/>
+          <p:cNvPr id="7" name="그림 6"/>
           <p:cNvPicPr>
             <a:picLocks noChangeAspect="1"/>
           </p:cNvPicPr>
@@ -3783,18 +3714,141 @@
         </p:blipFill>
         <p:spPr>
           <a:xfrm>
-            <a:off x="883650" y="1441843"/>
-            <a:ext cx="2520000" cy="3958865"/>
+            <a:off x="8666950" y="1357321"/>
+            <a:ext cx="2471102" cy="4085536"/>
           </a:xfrm>
           <a:prstGeom prst="rect">
             <a:avLst/>
           </a:prstGeom>
         </p:spPr>
       </p:pic>
+      <p:pic>
+        <p:nvPicPr>
+          <p:cNvPr id="8" name="그림 7"/>
+          <p:cNvPicPr>
+            <a:picLocks noChangeAspect="1"/>
+          </p:cNvPicPr>
+          <p:nvPr/>
+        </p:nvPicPr>
+        <p:blipFill>
+          <a:blip r:embed="rId4">
+            <a:extLst>
+              <a:ext uri="{28A0092B-C50C-407E-A947-70E740481C1C}">
+                <a14:useLocalDpi xmlns:a14="http://schemas.microsoft.com/office/drawing/2010/main" val="0"/>
+              </a:ext>
+            </a:extLst>
+          </a:blip>
+          <a:stretch>
+            <a:fillRect/>
+          </a:stretch>
+        </p:blipFill>
+        <p:spPr>
+          <a:xfrm>
+            <a:off x="5963312" y="1357320"/>
+            <a:ext cx="2545145" cy="4185349"/>
+          </a:xfrm>
+          <a:prstGeom prst="rect">
+            <a:avLst/>
+          </a:prstGeom>
+        </p:spPr>
+      </p:pic>
+      <p:grpSp>
+        <p:nvGrpSpPr>
+          <p:cNvPr id="2" name="그룹 1"/>
+          <p:cNvGrpSpPr/>
+          <p:nvPr/>
+        </p:nvGrpSpPr>
+        <p:grpSpPr>
+          <a:xfrm>
+            <a:off x="883650" y="1441843"/>
+            <a:ext cx="2520000" cy="3958865"/>
+            <a:chOff x="883650" y="1441843"/>
+            <a:chExt cx="2520000" cy="3958865"/>
+          </a:xfrm>
+        </p:grpSpPr>
+        <p:pic>
+          <p:nvPicPr>
+            <p:cNvPr id="5" name="그림 4"/>
+            <p:cNvPicPr>
+              <a:picLocks noChangeAspect="1"/>
+            </p:cNvPicPr>
+            <p:nvPr/>
+          </p:nvPicPr>
+          <p:blipFill>
+            <a:blip r:embed="rId5">
+              <a:extLst>
+                <a:ext uri="{28A0092B-C50C-407E-A947-70E740481C1C}">
+                  <a14:useLocalDpi xmlns:a14="http://schemas.microsoft.com/office/drawing/2010/main" val="0"/>
+                </a:ext>
+              </a:extLst>
+            </a:blip>
+            <a:stretch>
+              <a:fillRect/>
+            </a:stretch>
+          </p:blipFill>
+          <p:spPr>
+            <a:xfrm>
+              <a:off x="883650" y="1441843"/>
+              <a:ext cx="2520000" cy="3958865"/>
+            </a:xfrm>
+            <a:prstGeom prst="rect">
+              <a:avLst/>
+            </a:prstGeom>
+          </p:spPr>
+        </p:pic>
+        <p:sp>
+          <p:nvSpPr>
+            <p:cNvPr id="9" name="직사각형 8"/>
+            <p:cNvSpPr/>
+            <p:nvPr/>
+          </p:nvSpPr>
+          <p:spPr>
+            <a:xfrm>
+              <a:off x="1853875" y="2166622"/>
+              <a:ext cx="579549" cy="386366"/>
+            </a:xfrm>
+            <a:prstGeom prst="rect">
+              <a:avLst/>
+            </a:prstGeom>
+            <a:solidFill>
+              <a:schemeClr val="bg1"/>
+            </a:solidFill>
+            <a:ln>
+              <a:solidFill>
+                <a:schemeClr val="bg1"/>
+              </a:solidFill>
+            </a:ln>
+          </p:spPr>
+          <p:style>
+            <a:lnRef idx="2">
+              <a:schemeClr val="accent1">
+                <a:shade val="50000"/>
+              </a:schemeClr>
+            </a:lnRef>
+            <a:fillRef idx="1">
+              <a:schemeClr val="accent1"/>
+            </a:fillRef>
+            <a:effectRef idx="0">
+              <a:schemeClr val="accent1"/>
+            </a:effectRef>
+            <a:fontRef idx="minor">
+              <a:schemeClr val="lt1"/>
+            </a:fontRef>
+          </p:style>
+          <p:txBody>
+            <a:bodyPr rtlCol="0" anchor="ctr"/>
+            <a:lstStyle/>
+            <a:p>
+              <a:pPr algn="ctr"/>
+              <a:endParaRPr lang="ko-KR" altLang="en-US"/>
+            </a:p>
+          </p:txBody>
+        </p:sp>
+      </p:grpSp>
     </p:spTree>
     <p:extLst>
       <p:ext uri="{BB962C8B-B14F-4D97-AF65-F5344CB8AC3E}">
-        <p14:creationId xmlns:p14="http://schemas.microsoft.com/office/powerpoint/2010/main" val="929739247"/>
+        <p14:creationId xmlns:p14="http://schemas.microsoft.com/office/powerpoint/2010/main" val="4008001616"/>
       </p:ext>
     </p:extLst>
   </p:cSld>
@@ -3863,7 +3917,7 @@
       </p:sp>
       <p:pic>
         <p:nvPicPr>
-          <p:cNvPr id="9" name="그림 8"/>
+          <p:cNvPr id="3" name="그림 2"/>
           <p:cNvPicPr>
             <a:picLocks noChangeAspect="1"/>
           </p:cNvPicPr>
@@ -3883,8 +3937,8 @@
         </p:blipFill>
         <p:spPr>
           <a:xfrm>
-            <a:off x="883650" y="1441843"/>
-            <a:ext cx="2520000" cy="3958865"/>
+            <a:off x="3422407" y="1331538"/>
+            <a:ext cx="2601936" cy="4211133"/>
           </a:xfrm>
           <a:prstGeom prst="rect">
             <a:avLst/>
@@ -3893,7 +3947,7 @@
       </p:pic>
       <p:pic>
         <p:nvPicPr>
-          <p:cNvPr id="3" name="그림 2"/>
+          <p:cNvPr id="5" name="그림 4"/>
           <p:cNvPicPr>
             <a:picLocks noChangeAspect="1"/>
           </p:cNvPicPr>
@@ -3913,8 +3967,8 @@
         </p:blipFill>
         <p:spPr>
           <a:xfrm>
-            <a:off x="3422407" y="1331538"/>
-            <a:ext cx="2601936" cy="4211133"/>
+            <a:off x="6024343" y="1301306"/>
+            <a:ext cx="2589774" cy="4174202"/>
           </a:xfrm>
           <a:prstGeom prst="rect">
             <a:avLst/>
@@ -3923,7 +3977,7 @@
       </p:pic>
       <p:pic>
         <p:nvPicPr>
-          <p:cNvPr id="5" name="그림 4"/>
+          <p:cNvPr id="6" name="그림 5"/>
           <p:cNvPicPr>
             <a:picLocks noChangeAspect="1"/>
           </p:cNvPicPr>
@@ -3943,44 +3997,107 @@
         </p:blipFill>
         <p:spPr>
           <a:xfrm>
-            <a:off x="6024343" y="1301306"/>
-            <a:ext cx="2589774" cy="4174202"/>
+            <a:off x="8614117" y="1364566"/>
+            <a:ext cx="2558939" cy="4080709"/>
           </a:xfrm>
           <a:prstGeom prst="rect">
             <a:avLst/>
           </a:prstGeom>
         </p:spPr>
       </p:pic>
-      <p:pic>
-        <p:nvPicPr>
-          <p:cNvPr id="6" name="그림 5"/>
-          <p:cNvPicPr>
-            <a:picLocks noChangeAspect="1"/>
-          </p:cNvPicPr>
+      <p:grpSp>
+        <p:nvGrpSpPr>
+          <p:cNvPr id="2" name="그룹 1"/>
+          <p:cNvGrpSpPr/>
           <p:nvPr/>
-        </p:nvPicPr>
-        <p:blipFill>
-          <a:blip r:embed="rId5">
-            <a:extLst>
-              <a:ext uri="{28A0092B-C50C-407E-A947-70E740481C1C}">
-                <a14:useLocalDpi xmlns:a14="http://schemas.microsoft.com/office/drawing/2010/main" val="0"/>
-              </a:ext>
-            </a:extLst>
-          </a:blip>
-          <a:stretch>
-            <a:fillRect/>
-          </a:stretch>
-        </p:blipFill>
-        <p:spPr>
-          <a:xfrm>
-            <a:off x="8614117" y="1364566"/>
-            <a:ext cx="2558939" cy="4080709"/>
-          </a:xfrm>
-          <a:prstGeom prst="rect">
-            <a:avLst/>
-          </a:prstGeom>
-        </p:spPr>
-      </p:pic>
+        </p:nvGrpSpPr>
+        <p:grpSpPr>
+          <a:xfrm>
+            <a:off x="883650" y="1441843"/>
+            <a:ext cx="2520000" cy="3958865"/>
+            <a:chOff x="883650" y="1441843"/>
+            <a:chExt cx="2520000" cy="3958865"/>
+          </a:xfrm>
+        </p:grpSpPr>
+        <p:pic>
+          <p:nvPicPr>
+            <p:cNvPr id="9" name="그림 8"/>
+            <p:cNvPicPr>
+              <a:picLocks noChangeAspect="1"/>
+            </p:cNvPicPr>
+            <p:nvPr/>
+          </p:nvPicPr>
+          <p:blipFill>
+            <a:blip r:embed="rId5">
+              <a:extLst>
+                <a:ext uri="{28A0092B-C50C-407E-A947-70E740481C1C}">
+                  <a14:useLocalDpi xmlns:a14="http://schemas.microsoft.com/office/drawing/2010/main" val="0"/>
+                </a:ext>
+              </a:extLst>
+            </a:blip>
+            <a:stretch>
+              <a:fillRect/>
+            </a:stretch>
+          </p:blipFill>
+          <p:spPr>
+            <a:xfrm>
+              <a:off x="883650" y="1441843"/>
+              <a:ext cx="2520000" cy="3958865"/>
+            </a:xfrm>
+            <a:prstGeom prst="rect">
+              <a:avLst/>
+            </a:prstGeom>
+          </p:spPr>
+        </p:pic>
+        <p:sp>
+          <p:nvSpPr>
+            <p:cNvPr id="7" name="직사각형 6"/>
+            <p:cNvSpPr/>
+            <p:nvPr/>
+          </p:nvSpPr>
+          <p:spPr>
+            <a:xfrm>
+              <a:off x="1853875" y="2166622"/>
+              <a:ext cx="579549" cy="386366"/>
+            </a:xfrm>
+            <a:prstGeom prst="rect">
+              <a:avLst/>
+            </a:prstGeom>
+            <a:solidFill>
+              <a:schemeClr val="bg1"/>
+            </a:solidFill>
+            <a:ln>
+              <a:solidFill>
+                <a:schemeClr val="bg1"/>
+              </a:solidFill>
+            </a:ln>
+          </p:spPr>
+          <p:style>
+            <a:lnRef idx="2">
+              <a:schemeClr val="accent1">
+                <a:shade val="50000"/>
+              </a:schemeClr>
+            </a:lnRef>
+            <a:fillRef idx="1">
+              <a:schemeClr val="accent1"/>
+            </a:fillRef>
+            <a:effectRef idx="0">
+              <a:schemeClr val="accent1"/>
+            </a:effectRef>
+            <a:fontRef idx="minor">
+              <a:schemeClr val="lt1"/>
+            </a:fontRef>
+          </p:style>
+          <p:txBody>
+            <a:bodyPr rtlCol="0" anchor="ctr"/>
+            <a:lstStyle/>
+            <a:p>
+              <a:pPr algn="ctr"/>
+              <a:endParaRPr lang="ko-KR" altLang="en-US"/>
+            </a:p>
+          </p:txBody>
+        </p:sp>
+      </p:grpSp>
     </p:spTree>
     <p:extLst>
       <p:ext uri="{BB962C8B-B14F-4D97-AF65-F5344CB8AC3E}">

--- a/발표자료.pptx
+++ b/발표자료.pptx
@@ -13,6 +13,7 @@
     <p:sldId id="259" r:id="rId7"/>
     <p:sldId id="260" r:id="rId8"/>
     <p:sldId id="262" r:id="rId9"/>
+    <p:sldId id="265" r:id="rId10"/>
   </p:sldIdLst>
   <p:sldSz cx="12192000" cy="6858000"/>
   <p:notesSz cx="6858000" cy="9144000"/>
@@ -250,7 +251,7 @@
           <a:p>
             <a:fld id="{2406B353-5F59-43E6-8F55-C9755D578C25}" type="datetimeFigureOut">
               <a:rPr lang="ko-KR" altLang="en-US" smtClean="0"/>
-              <a:t>2019-11-19</a:t>
+              <a:t>2019-11-26</a:t>
             </a:fld>
             <a:endParaRPr lang="ko-KR" altLang="en-US"/>
           </a:p>
@@ -420,7 +421,7 @@
           <a:p>
             <a:fld id="{2406B353-5F59-43E6-8F55-C9755D578C25}" type="datetimeFigureOut">
               <a:rPr lang="ko-KR" altLang="en-US" smtClean="0"/>
-              <a:t>2019-11-19</a:t>
+              <a:t>2019-11-26</a:t>
             </a:fld>
             <a:endParaRPr lang="ko-KR" altLang="en-US"/>
           </a:p>
@@ -600,7 +601,7 @@
           <a:p>
             <a:fld id="{2406B353-5F59-43E6-8F55-C9755D578C25}" type="datetimeFigureOut">
               <a:rPr lang="ko-KR" altLang="en-US" smtClean="0"/>
-              <a:t>2019-11-19</a:t>
+              <a:t>2019-11-26</a:t>
             </a:fld>
             <a:endParaRPr lang="ko-KR" altLang="en-US"/>
           </a:p>
@@ -770,7 +771,7 @@
           <a:p>
             <a:fld id="{2406B353-5F59-43E6-8F55-C9755D578C25}" type="datetimeFigureOut">
               <a:rPr lang="ko-KR" altLang="en-US" smtClean="0"/>
-              <a:t>2019-11-19</a:t>
+              <a:t>2019-11-26</a:t>
             </a:fld>
             <a:endParaRPr lang="ko-KR" altLang="en-US"/>
           </a:p>
@@ -1016,7 +1017,7 @@
           <a:p>
             <a:fld id="{2406B353-5F59-43E6-8F55-C9755D578C25}" type="datetimeFigureOut">
               <a:rPr lang="ko-KR" altLang="en-US" smtClean="0"/>
-              <a:t>2019-11-19</a:t>
+              <a:t>2019-11-26</a:t>
             </a:fld>
             <a:endParaRPr lang="ko-KR" altLang="en-US"/>
           </a:p>
@@ -1248,7 +1249,7 @@
           <a:p>
             <a:fld id="{2406B353-5F59-43E6-8F55-C9755D578C25}" type="datetimeFigureOut">
               <a:rPr lang="ko-KR" altLang="en-US" smtClean="0"/>
-              <a:t>2019-11-19</a:t>
+              <a:t>2019-11-26</a:t>
             </a:fld>
             <a:endParaRPr lang="ko-KR" altLang="en-US"/>
           </a:p>
@@ -1615,7 +1616,7 @@
           <a:p>
             <a:fld id="{2406B353-5F59-43E6-8F55-C9755D578C25}" type="datetimeFigureOut">
               <a:rPr lang="ko-KR" altLang="en-US" smtClean="0"/>
-              <a:t>2019-11-19</a:t>
+              <a:t>2019-11-26</a:t>
             </a:fld>
             <a:endParaRPr lang="ko-KR" altLang="en-US"/>
           </a:p>
@@ -1733,7 +1734,7 @@
           <a:p>
             <a:fld id="{2406B353-5F59-43E6-8F55-C9755D578C25}" type="datetimeFigureOut">
               <a:rPr lang="ko-KR" altLang="en-US" smtClean="0"/>
-              <a:t>2019-11-19</a:t>
+              <a:t>2019-11-26</a:t>
             </a:fld>
             <a:endParaRPr lang="ko-KR" altLang="en-US"/>
           </a:p>
@@ -1828,7 +1829,7 @@
           <a:p>
             <a:fld id="{2406B353-5F59-43E6-8F55-C9755D578C25}" type="datetimeFigureOut">
               <a:rPr lang="ko-KR" altLang="en-US" smtClean="0"/>
-              <a:t>2019-11-19</a:t>
+              <a:t>2019-11-26</a:t>
             </a:fld>
             <a:endParaRPr lang="ko-KR" altLang="en-US"/>
           </a:p>
@@ -2105,7 +2106,7 @@
           <a:p>
             <a:fld id="{2406B353-5F59-43E6-8F55-C9755D578C25}" type="datetimeFigureOut">
               <a:rPr lang="ko-KR" altLang="en-US" smtClean="0"/>
-              <a:t>2019-11-19</a:t>
+              <a:t>2019-11-26</a:t>
             </a:fld>
             <a:endParaRPr lang="ko-KR" altLang="en-US"/>
           </a:p>
@@ -2358,7 +2359,7 @@
           <a:p>
             <a:fld id="{2406B353-5F59-43E6-8F55-C9755D578C25}" type="datetimeFigureOut">
               <a:rPr lang="ko-KR" altLang="en-US" smtClean="0"/>
-              <a:t>2019-11-19</a:t>
+              <a:t>2019-11-26</a:t>
             </a:fld>
             <a:endParaRPr lang="ko-KR" altLang="en-US"/>
           </a:p>
@@ -2571,7 +2572,7 @@
           <a:p>
             <a:fld id="{2406B353-5F59-43E6-8F55-C9755D578C25}" type="datetimeFigureOut">
               <a:rPr lang="ko-KR" altLang="en-US" smtClean="0"/>
-              <a:t>2019-11-19</a:t>
+              <a:t>2019-11-26</a:t>
             </a:fld>
             <a:endParaRPr lang="ko-KR" altLang="en-US"/>
           </a:p>
@@ -3016,6 +3017,54 @@
           </a:p>
         </p:txBody>
       </p:sp>
+      <p:sp>
+        <p:nvSpPr>
+          <p:cNvPr id="3" name="TextBox 2"/>
+          <p:cNvSpPr txBox="1"/>
+          <p:nvPr/>
+        </p:nvSpPr>
+        <p:spPr>
+          <a:xfrm>
+            <a:off x="9298546" y="128789"/>
+            <a:ext cx="2528256" cy="646331"/>
+          </a:xfrm>
+          <a:prstGeom prst="rect">
+            <a:avLst/>
+          </a:prstGeom>
+          <a:noFill/>
+        </p:spPr>
+        <p:txBody>
+          <a:bodyPr wrap="none" rtlCol="0">
+            <a:spAutoFit/>
+          </a:bodyPr>
+          <a:lstStyle/>
+          <a:p>
+            <a:r>
+              <a:rPr lang="ko-KR" altLang="en-US" dirty="0"/>
+              <a:t>홍현태</a:t>
+            </a:r>
+            <a:r>
+              <a:rPr lang="en-US" altLang="ko-KR" dirty="0"/>
+              <a:t>, </a:t>
+            </a:r>
+            <a:r>
+              <a:rPr lang="ko-KR" altLang="en-US" dirty="0"/>
+              <a:t>심규식</a:t>
+            </a:r>
+            <a:r>
+              <a:rPr lang="en-US" altLang="ko-KR" dirty="0"/>
+              <a:t>, </a:t>
+            </a:r>
+            <a:r>
+              <a:rPr lang="ko-KR" altLang="en-US" dirty="0"/>
+              <a:t>김지훈</a:t>
+            </a:r>
+          </a:p>
+          <a:p>
+            <a:endParaRPr lang="ko-KR" altLang="en-US" dirty="0" err="1" smtClean="0"/>
+          </a:p>
+        </p:txBody>
+      </p:sp>
     </p:spTree>
     <p:extLst>
       <p:ext uri="{BB962C8B-B14F-4D97-AF65-F5344CB8AC3E}">
@@ -4115,6 +4164,272 @@
       </p:par>
     </p:tnLst>
   </p:timing>
+</p:sld>
+</file>
+
+<file path=ppt/slides/slide9.xml><?xml version="1.0" encoding="utf-8"?>
+<p:sld xmlns:a="http://schemas.openxmlformats.org/drawingml/2006/main" xmlns:r="http://schemas.openxmlformats.org/officeDocument/2006/relationships" xmlns:p="http://schemas.openxmlformats.org/presentationml/2006/main">
+  <p:cSld>
+    <p:spTree>
+      <p:nvGrpSpPr>
+        <p:cNvPr id="1" name=""/>
+        <p:cNvGrpSpPr/>
+        <p:nvPr/>
+      </p:nvGrpSpPr>
+      <p:grpSpPr>
+        <a:xfrm>
+          <a:off x="0" y="0"/>
+          <a:ext cx="0" cy="0"/>
+          <a:chOff x="0" y="0"/>
+          <a:chExt cx="0" cy="0"/>
+        </a:xfrm>
+      </p:grpSpPr>
+      <p:sp>
+        <p:nvSpPr>
+          <p:cNvPr id="4" name="TextBox 3"/>
+          <p:cNvSpPr txBox="1"/>
+          <p:nvPr/>
+        </p:nvSpPr>
+        <p:spPr>
+          <a:xfrm>
+            <a:off x="531683" y="3232856"/>
+            <a:ext cx="9511691" cy="461665"/>
+          </a:xfrm>
+          <a:prstGeom prst="rect">
+            <a:avLst/>
+          </a:prstGeom>
+          <a:noFill/>
+        </p:spPr>
+        <p:txBody>
+          <a:bodyPr wrap="square" rtlCol="0">
+            <a:spAutoFit/>
+          </a:bodyPr>
+          <a:lstStyle/>
+          <a:p>
+            <a:r>
+              <a:rPr lang="ko-KR" altLang="en-US" sz="2400" dirty="0" smtClean="0"/>
+              <a:t>평가</a:t>
+            </a:r>
+            <a:endParaRPr lang="ko-KR" altLang="en-US" sz="2400" dirty="0"/>
+          </a:p>
+        </p:txBody>
+      </p:sp>
+      <p:sp>
+        <p:nvSpPr>
+          <p:cNvPr id="5" name="TextBox 4"/>
+          <p:cNvSpPr txBox="1"/>
+          <p:nvPr/>
+        </p:nvSpPr>
+        <p:spPr>
+          <a:xfrm>
+            <a:off x="631064" y="1847861"/>
+            <a:ext cx="5331909" cy="923330"/>
+          </a:xfrm>
+          <a:prstGeom prst="rect">
+            <a:avLst/>
+          </a:prstGeom>
+          <a:noFill/>
+        </p:spPr>
+        <p:txBody>
+          <a:bodyPr wrap="none" rtlCol="0">
+            <a:spAutoFit/>
+          </a:bodyPr>
+          <a:lstStyle/>
+          <a:p>
+            <a:pPr marL="285750" indent="-285750">
+              <a:buFont typeface="Arial" panose="020B0604020202020204" pitchFamily="34" charset="0"/>
+              <a:buChar char="•"/>
+            </a:pPr>
+            <a:r>
+              <a:rPr lang="en-US" altLang="ko-KR" dirty="0"/>
+              <a:t>https://trello.com/b/rRYsFh3H/umlpos</a:t>
+            </a:r>
+          </a:p>
+          <a:p>
+            <a:pPr marL="285750" indent="-285750">
+              <a:buFont typeface="Arial" panose="020B0604020202020204" pitchFamily="34" charset="0"/>
+              <a:buChar char="•"/>
+            </a:pPr>
+            <a:r>
+              <a:rPr lang="en-US" altLang="ko-KR" dirty="0"/>
+              <a:t>https://</a:t>
+            </a:r>
+            <a:r>
+              <a:rPr lang="en-US" altLang="ko-KR" dirty="0" smtClean="0"/>
+              <a:t>github.com/dss156/2019_3_2_UML_PBL</a:t>
+            </a:r>
+            <a:endParaRPr lang="ko-KR" altLang="en-US" dirty="0"/>
+          </a:p>
+          <a:p>
+            <a:endParaRPr lang="ko-KR" altLang="en-US" dirty="0" err="1" smtClean="0"/>
+          </a:p>
+        </p:txBody>
+      </p:sp>
+      <p:sp>
+        <p:nvSpPr>
+          <p:cNvPr id="6" name="TextBox 5"/>
+          <p:cNvSpPr txBox="1"/>
+          <p:nvPr/>
+        </p:nvSpPr>
+        <p:spPr>
+          <a:xfrm>
+            <a:off x="631064" y="3694521"/>
+            <a:ext cx="10148553" cy="1477328"/>
+          </a:xfrm>
+          <a:prstGeom prst="rect">
+            <a:avLst/>
+          </a:prstGeom>
+          <a:noFill/>
+        </p:spPr>
+        <p:txBody>
+          <a:bodyPr wrap="square" rtlCol="0">
+            <a:spAutoFit/>
+          </a:bodyPr>
+          <a:lstStyle/>
+          <a:p>
+            <a:pPr marL="285750" indent="-285750">
+              <a:buFont typeface="Arial" panose="020B0604020202020204" pitchFamily="34" charset="0"/>
+              <a:buChar char="•"/>
+            </a:pPr>
+            <a:r>
+              <a:rPr lang="ko-KR" altLang="en-US" dirty="0"/>
+              <a:t>저것이 왜 </a:t>
+            </a:r>
+            <a:r>
+              <a:rPr lang="ko-KR" altLang="en-US" dirty="0" smtClean="0"/>
+              <a:t>필요한가</a:t>
+            </a:r>
+            <a:r>
+              <a:rPr lang="en-US" altLang="ko-KR" dirty="0" smtClean="0"/>
+              <a:t>?</a:t>
+            </a:r>
+            <a:r>
+              <a:rPr lang="en-US" altLang="ko-KR" dirty="0"/>
+              <a:t/>
+            </a:r>
+            <a:br>
+              <a:rPr lang="en-US" altLang="ko-KR" dirty="0"/>
+            </a:br>
+            <a:r>
+              <a:rPr lang="en-US" altLang="ko-KR" dirty="0"/>
+              <a:t> - </a:t>
+            </a:r>
+            <a:r>
+              <a:rPr lang="ko-KR" altLang="en-US" dirty="0" err="1" smtClean="0"/>
+              <a:t>모바일로써</a:t>
+            </a:r>
+            <a:r>
+              <a:rPr lang="ko-KR" altLang="en-US" dirty="0" smtClean="0"/>
+              <a:t> 사용할 수 있는 기능을 </a:t>
+            </a:r>
+            <a:r>
+              <a:rPr lang="ko-KR" altLang="en-US" dirty="0"/>
+              <a:t>추가하여 필요성을 </a:t>
+            </a:r>
+            <a:r>
+              <a:rPr lang="ko-KR" altLang="en-US" dirty="0" err="1" smtClean="0"/>
+              <a:t>높힌다</a:t>
+            </a:r>
+            <a:r>
+              <a:rPr lang="en-US" altLang="ko-KR" dirty="0" smtClean="0"/>
+              <a:t>.</a:t>
+            </a:r>
+          </a:p>
+          <a:p>
+            <a:pPr marL="285750" indent="-285750">
+              <a:buFont typeface="Arial" panose="020B0604020202020204" pitchFamily="34" charset="0"/>
+              <a:buChar char="•"/>
+            </a:pPr>
+            <a:r>
+              <a:rPr lang="ko-KR" altLang="en-US" dirty="0" smtClean="0"/>
+              <a:t>소감</a:t>
+            </a:r>
+            <a:endParaRPr lang="en-US" altLang="ko-KR" dirty="0" smtClean="0"/>
+          </a:p>
+          <a:p>
+            <a:r>
+              <a:rPr lang="en-US" altLang="ko-KR" dirty="0" smtClean="0"/>
+              <a:t>    -</a:t>
+            </a:r>
+            <a:r>
+              <a:rPr lang="ko-KR" altLang="en-US" dirty="0"/>
+              <a:t> </a:t>
+            </a:r>
+            <a:r>
+              <a:rPr lang="ko-KR" altLang="en-US" dirty="0" smtClean="0"/>
+              <a:t>자신이 생각한 시스템의 개선을 </a:t>
+            </a:r>
+            <a:r>
+              <a:rPr lang="en-US" altLang="ko-KR" dirty="0" smtClean="0"/>
+              <a:t>UML</a:t>
+            </a:r>
+            <a:r>
+              <a:rPr lang="ko-KR" altLang="en-US" dirty="0" smtClean="0"/>
+              <a:t>로 그려 봄으로써 다이어그램에 대한 이해도를 높일 수</a:t>
+            </a:r>
+            <a:r>
+              <a:rPr lang="en-US" altLang="ko-KR" dirty="0" smtClean="0"/>
+              <a:t/>
+            </a:r>
+            <a:br>
+              <a:rPr lang="en-US" altLang="ko-KR" dirty="0" smtClean="0"/>
+            </a:br>
+            <a:r>
+              <a:rPr lang="en-US" altLang="ko-KR" dirty="0" smtClean="0"/>
+              <a:t>     </a:t>
+            </a:r>
+            <a:r>
+              <a:rPr lang="ko-KR" altLang="en-US" dirty="0" smtClean="0"/>
+              <a:t> 있었고 팀원들과의 소통능력이 높아지는 좋은 계기가 되었다</a:t>
+            </a:r>
+            <a:r>
+              <a:rPr lang="en-US" altLang="ko-KR" dirty="0" smtClean="0"/>
+              <a:t>.</a:t>
+            </a:r>
+            <a:endParaRPr lang="ko-KR" altLang="en-US" dirty="0" smtClean="0"/>
+          </a:p>
+        </p:txBody>
+      </p:sp>
+      <p:sp>
+        <p:nvSpPr>
+          <p:cNvPr id="7" name="TextBox 6"/>
+          <p:cNvSpPr txBox="1"/>
+          <p:nvPr/>
+        </p:nvSpPr>
+        <p:spPr>
+          <a:xfrm>
+            <a:off x="531684" y="1386196"/>
+            <a:ext cx="9511691" cy="461665"/>
+          </a:xfrm>
+          <a:prstGeom prst="rect">
+            <a:avLst/>
+          </a:prstGeom>
+          <a:noFill/>
+        </p:spPr>
+        <p:txBody>
+          <a:bodyPr wrap="square" rtlCol="0">
+            <a:spAutoFit/>
+          </a:bodyPr>
+          <a:lstStyle/>
+          <a:p>
+            <a:r>
+              <a:rPr lang="ko-KR" altLang="en-US" sz="2400" dirty="0" smtClean="0"/>
+              <a:t>주소</a:t>
+            </a:r>
+            <a:endParaRPr lang="ko-KR" altLang="en-US" sz="2400" dirty="0"/>
+          </a:p>
+        </p:txBody>
+      </p:sp>
+    </p:spTree>
+    <p:extLst>
+      <p:ext uri="{BB962C8B-B14F-4D97-AF65-F5344CB8AC3E}">
+        <p14:creationId xmlns:p14="http://schemas.microsoft.com/office/powerpoint/2010/main" val="1229610551"/>
+      </p:ext>
+    </p:extLst>
+  </p:cSld>
+  <p:clrMapOvr>
+    <a:masterClrMapping/>
+  </p:clrMapOvr>
 </p:sld>
 </file>
 
